--- a/PLPTH813Bioinformatis/2025/2_lab/lab02_unix.pptx
+++ b/PLPTH813Bioinformatis/2025/2_lab/lab02_unix.pptx
@@ -231,7 +231,7 @@
           <a:p>
             <a:fld id="{08E6E0A8-E17C-C949-B17E-7A1A6494483A}" type="datetimeFigureOut">
               <a:rPr lang="en-US" smtClean="0"/>
-              <a:t>1/29/25</a:t>
+              <a:t>1/30/25</a:t>
             </a:fld>
             <a:endParaRPr lang="en-US"/>
           </a:p>
@@ -899,7 +899,7 @@
           <a:p>
             <a:fld id="{42B8B0BE-C8D7-EB48-AD68-71DB5002F24B}" type="datetimeFigureOut">
               <a:rPr lang="en-US" smtClean="0"/>
-              <a:t>1/29/25</a:t>
+              <a:t>1/30/25</a:t>
             </a:fld>
             <a:endParaRPr lang="en-US"/>
           </a:p>
@@ -1067,7 +1067,7 @@
           <a:p>
             <a:fld id="{42B8B0BE-C8D7-EB48-AD68-71DB5002F24B}" type="datetimeFigureOut">
               <a:rPr lang="en-US" smtClean="0"/>
-              <a:t>1/29/25</a:t>
+              <a:t>1/30/25</a:t>
             </a:fld>
             <a:endParaRPr lang="en-US"/>
           </a:p>
@@ -1245,7 +1245,7 @@
           <a:p>
             <a:fld id="{42B8B0BE-C8D7-EB48-AD68-71DB5002F24B}" type="datetimeFigureOut">
               <a:rPr lang="en-US" smtClean="0"/>
-              <a:t>1/29/25</a:t>
+              <a:t>1/30/25</a:t>
             </a:fld>
             <a:endParaRPr lang="en-US"/>
           </a:p>
@@ -1413,7 +1413,7 @@
           <a:p>
             <a:fld id="{42B8B0BE-C8D7-EB48-AD68-71DB5002F24B}" type="datetimeFigureOut">
               <a:rPr lang="en-US" smtClean="0"/>
-              <a:t>1/29/25</a:t>
+              <a:t>1/30/25</a:t>
             </a:fld>
             <a:endParaRPr lang="en-US"/>
           </a:p>
@@ -1658,7 +1658,7 @@
           <a:p>
             <a:fld id="{42B8B0BE-C8D7-EB48-AD68-71DB5002F24B}" type="datetimeFigureOut">
               <a:rPr lang="en-US" smtClean="0"/>
-              <a:t>1/29/25</a:t>
+              <a:t>1/30/25</a:t>
             </a:fld>
             <a:endParaRPr lang="en-US"/>
           </a:p>
@@ -1943,7 +1943,7 @@
           <a:p>
             <a:fld id="{42B8B0BE-C8D7-EB48-AD68-71DB5002F24B}" type="datetimeFigureOut">
               <a:rPr lang="en-US" smtClean="0"/>
-              <a:t>1/29/25</a:t>
+              <a:t>1/30/25</a:t>
             </a:fld>
             <a:endParaRPr lang="en-US"/>
           </a:p>
@@ -2362,7 +2362,7 @@
           <a:p>
             <a:fld id="{42B8B0BE-C8D7-EB48-AD68-71DB5002F24B}" type="datetimeFigureOut">
               <a:rPr lang="en-US" smtClean="0"/>
-              <a:t>1/29/25</a:t>
+              <a:t>1/30/25</a:t>
             </a:fld>
             <a:endParaRPr lang="en-US"/>
           </a:p>
@@ -2479,7 +2479,7 @@
           <a:p>
             <a:fld id="{42B8B0BE-C8D7-EB48-AD68-71DB5002F24B}" type="datetimeFigureOut">
               <a:rPr lang="en-US" smtClean="0"/>
-              <a:t>1/29/25</a:t>
+              <a:t>1/30/25</a:t>
             </a:fld>
             <a:endParaRPr lang="en-US"/>
           </a:p>
@@ -2574,7 +2574,7 @@
           <a:p>
             <a:fld id="{42B8B0BE-C8D7-EB48-AD68-71DB5002F24B}" type="datetimeFigureOut">
               <a:rPr lang="en-US" smtClean="0"/>
-              <a:t>1/29/25</a:t>
+              <a:t>1/30/25</a:t>
             </a:fld>
             <a:endParaRPr lang="en-US"/>
           </a:p>
@@ -2849,7 +2849,7 @@
           <a:p>
             <a:fld id="{42B8B0BE-C8D7-EB48-AD68-71DB5002F24B}" type="datetimeFigureOut">
               <a:rPr lang="en-US" smtClean="0"/>
-              <a:t>1/29/25</a:t>
+              <a:t>1/30/25</a:t>
             </a:fld>
             <a:endParaRPr lang="en-US"/>
           </a:p>
@@ -3101,7 +3101,7 @@
           <a:p>
             <a:fld id="{42B8B0BE-C8D7-EB48-AD68-71DB5002F24B}" type="datetimeFigureOut">
               <a:rPr lang="en-US" smtClean="0"/>
-              <a:t>1/29/25</a:t>
+              <a:t>1/30/25</a:t>
             </a:fld>
             <a:endParaRPr lang="en-US"/>
           </a:p>
@@ -3312,7 +3312,7 @@
           <a:p>
             <a:fld id="{42B8B0BE-C8D7-EB48-AD68-71DB5002F24B}" type="datetimeFigureOut">
               <a:rPr lang="en-US" smtClean="0"/>
-              <a:t>1/29/25</a:t>
+              <a:t>1/30/25</a:t>
             </a:fld>
             <a:endParaRPr lang="en-US"/>
           </a:p>
@@ -4036,8 +4036,8 @@
         </p:nvSpPr>
         <p:spPr>
           <a:xfrm>
-            <a:off x="698269" y="1038657"/>
-            <a:ext cx="8229600" cy="3555966"/>
+            <a:off x="698269" y="1038656"/>
+            <a:ext cx="8229600" cy="3980815"/>
           </a:xfrm>
         </p:spPr>
         <p:txBody>
@@ -4123,6 +4123,12 @@
               <a:rPr lang="en-US" dirty="0"/>
               <a:t> </a:t>
             </a:r>
+          </a:p>
+          <a:p>
+            <a:pPr marL="0" indent="0">
+              <a:buNone/>
+            </a:pPr>
+            <a:endParaRPr lang="en-US" dirty="0"/>
           </a:p>
           <a:p>
             <a:pPr marL="0" indent="0">
